--- a/RMS/WhichSignificanceTestToUse.pptx
+++ b/RMS/WhichSignificanceTestToUse.pptx
@@ -271,7 +271,7 @@
           <a:p>
             <a:fld id="{D5C1E9C8-5D04-481A-80D5-4B8A92BDC957}" type="datetimeFigureOut">
               <a:rPr lang="en-US" smtClean="0"/>
-              <a:t>11/5/24</a:t>
+              <a:t>11/6/24</a:t>
             </a:fld>
             <a:endParaRPr lang="en-US"/>
           </a:p>
@@ -469,7 +469,7 @@
           <a:p>
             <a:fld id="{D5C1E9C8-5D04-481A-80D5-4B8A92BDC957}" type="datetimeFigureOut">
               <a:rPr lang="en-US" smtClean="0"/>
-              <a:t>11/5/24</a:t>
+              <a:t>11/6/24</a:t>
             </a:fld>
             <a:endParaRPr lang="en-US"/>
           </a:p>
@@ -677,7 +677,7 @@
           <a:p>
             <a:fld id="{D5C1E9C8-5D04-481A-80D5-4B8A92BDC957}" type="datetimeFigureOut">
               <a:rPr lang="en-US" smtClean="0"/>
-              <a:t>11/5/24</a:t>
+              <a:t>11/6/24</a:t>
             </a:fld>
             <a:endParaRPr lang="en-US"/>
           </a:p>
@@ -875,7 +875,7 @@
           <a:p>
             <a:fld id="{D5C1E9C8-5D04-481A-80D5-4B8A92BDC957}" type="datetimeFigureOut">
               <a:rPr lang="en-US" smtClean="0"/>
-              <a:t>11/5/24</a:t>
+              <a:t>11/6/24</a:t>
             </a:fld>
             <a:endParaRPr lang="en-US"/>
           </a:p>
@@ -1150,7 +1150,7 @@
           <a:p>
             <a:fld id="{D5C1E9C8-5D04-481A-80D5-4B8A92BDC957}" type="datetimeFigureOut">
               <a:rPr lang="en-US" smtClean="0"/>
-              <a:t>11/5/24</a:t>
+              <a:t>11/6/24</a:t>
             </a:fld>
             <a:endParaRPr lang="en-US"/>
           </a:p>
@@ -1415,7 +1415,7 @@
           <a:p>
             <a:fld id="{D5C1E9C8-5D04-481A-80D5-4B8A92BDC957}" type="datetimeFigureOut">
               <a:rPr lang="en-US" smtClean="0"/>
-              <a:t>11/5/24</a:t>
+              <a:t>11/6/24</a:t>
             </a:fld>
             <a:endParaRPr lang="en-US"/>
           </a:p>
@@ -1827,7 +1827,7 @@
           <a:p>
             <a:fld id="{D5C1E9C8-5D04-481A-80D5-4B8A92BDC957}" type="datetimeFigureOut">
               <a:rPr lang="en-US" smtClean="0"/>
-              <a:t>11/5/24</a:t>
+              <a:t>11/6/24</a:t>
             </a:fld>
             <a:endParaRPr lang="en-US"/>
           </a:p>
@@ -1968,7 +1968,7 @@
           <a:p>
             <a:fld id="{D5C1E9C8-5D04-481A-80D5-4B8A92BDC957}" type="datetimeFigureOut">
               <a:rPr lang="en-US" smtClean="0"/>
-              <a:t>11/5/24</a:t>
+              <a:t>11/6/24</a:t>
             </a:fld>
             <a:endParaRPr lang="en-US"/>
           </a:p>
@@ -2081,7 +2081,7 @@
           <a:p>
             <a:fld id="{D5C1E9C8-5D04-481A-80D5-4B8A92BDC957}" type="datetimeFigureOut">
               <a:rPr lang="en-US" smtClean="0"/>
-              <a:t>11/5/24</a:t>
+              <a:t>11/6/24</a:t>
             </a:fld>
             <a:endParaRPr lang="en-US"/>
           </a:p>
@@ -2392,7 +2392,7 @@
           <a:p>
             <a:fld id="{D5C1E9C8-5D04-481A-80D5-4B8A92BDC957}" type="datetimeFigureOut">
               <a:rPr lang="en-US" smtClean="0"/>
-              <a:t>11/5/24</a:t>
+              <a:t>11/6/24</a:t>
             </a:fld>
             <a:endParaRPr lang="en-US"/>
           </a:p>
@@ -2680,7 +2680,7 @@
           <a:p>
             <a:fld id="{D5C1E9C8-5D04-481A-80D5-4B8A92BDC957}" type="datetimeFigureOut">
               <a:rPr lang="en-US" smtClean="0"/>
-              <a:t>11/5/24</a:t>
+              <a:t>11/6/24</a:t>
             </a:fld>
             <a:endParaRPr lang="en-US"/>
           </a:p>
@@ -2921,7 +2921,7 @@
           <a:p>
             <a:fld id="{D5C1E9C8-5D04-481A-80D5-4B8A92BDC957}" type="datetimeFigureOut">
               <a:rPr lang="en-US" smtClean="0"/>
-              <a:t>11/5/24</a:t>
+              <a:t>11/6/24</a:t>
             </a:fld>
             <a:endParaRPr lang="en-US"/>
           </a:p>
@@ -14528,6 +14528,65 @@
                   <a:t>, </a:t>
                 </a:r>
               </a:p>
+              <a:p>
+                <a:pPr algn="ctr"/>
+                <a:r>
+                  <a:rPr lang="en-US" sz="1600" dirty="0">
+                    <a:solidFill>
+                      <a:schemeClr val="tx1"/>
+                    </a:solidFill>
+                  </a:rPr>
+                  <a:t>With </a:t>
+                </a:r>
+                <a:r>
+                  <a:rPr lang="en-US" sz="1600" dirty="0" err="1">
+                    <a:solidFill>
+                      <a:schemeClr val="tx1"/>
+                    </a:solidFill>
+                  </a:rPr>
+                  <a:t>df</a:t>
+                </a:r>
+                <a:r>
+                  <a:rPr lang="en-US" sz="1600" dirty="0">
+                    <a:solidFill>
+                      <a:schemeClr val="tx1"/>
+                    </a:solidFill>
+                  </a:rPr>
+                  <a:t> = n</a:t>
+                </a:r>
+                <a:r>
+                  <a:rPr lang="en-US" sz="1600" baseline="-25000" dirty="0">
+                    <a:solidFill>
+                      <a:schemeClr val="tx1"/>
+                    </a:solidFill>
+                  </a:rPr>
+                  <a:t>1</a:t>
+                </a:r>
+                <a:r>
+                  <a:rPr lang="en-US" sz="1600" dirty="0">
+                    <a:solidFill>
+                      <a:schemeClr val="tx1"/>
+                    </a:solidFill>
+                  </a:rPr>
+                  <a:t> + n</a:t>
+                </a:r>
+                <a:r>
+                  <a:rPr lang="en-US" sz="1600" baseline="-25000" dirty="0">
+                    <a:solidFill>
+                      <a:schemeClr val="tx1"/>
+                    </a:solidFill>
+                  </a:rPr>
+                  <a:t>2</a:t>
+                </a:r>
+                <a:r>
+                  <a:rPr lang="en-US" sz="1600" dirty="0">
+                    <a:solidFill>
+                      <a:schemeClr val="tx1"/>
+                    </a:solidFill>
+                  </a:rPr>
+                  <a:t> - 2</a:t>
+                </a:r>
+              </a:p>
             </p:txBody>
           </p:sp>
         </mc:Choice>
@@ -14557,7 +14616,7 @@
               <a:blipFill>
                 <a:blip r:embed="rId13"/>
                 <a:stretch>
-                  <a:fillRect/>
+                  <a:fillRect b="-4444"/>
                 </a:stretch>
               </a:blipFill>
               <a:ln>

--- a/RMS/WhichSignificanceTestToUse.pptx
+++ b/RMS/WhichSignificanceTestToUse.pptx
@@ -271,7 +271,7 @@
           <a:p>
             <a:fld id="{D5C1E9C8-5D04-481A-80D5-4B8A92BDC957}" type="datetimeFigureOut">
               <a:rPr lang="en-US" smtClean="0"/>
-              <a:t>11/6/24</a:t>
+              <a:t>11/13/25</a:t>
             </a:fld>
             <a:endParaRPr lang="en-US"/>
           </a:p>
@@ -469,7 +469,7 @@
           <a:p>
             <a:fld id="{D5C1E9C8-5D04-481A-80D5-4B8A92BDC957}" type="datetimeFigureOut">
               <a:rPr lang="en-US" smtClean="0"/>
-              <a:t>11/6/24</a:t>
+              <a:t>11/13/25</a:t>
             </a:fld>
             <a:endParaRPr lang="en-US"/>
           </a:p>
@@ -677,7 +677,7 @@
           <a:p>
             <a:fld id="{D5C1E9C8-5D04-481A-80D5-4B8A92BDC957}" type="datetimeFigureOut">
               <a:rPr lang="en-US" smtClean="0"/>
-              <a:t>11/6/24</a:t>
+              <a:t>11/13/25</a:t>
             </a:fld>
             <a:endParaRPr lang="en-US"/>
           </a:p>
@@ -875,7 +875,7 @@
           <a:p>
             <a:fld id="{D5C1E9C8-5D04-481A-80D5-4B8A92BDC957}" type="datetimeFigureOut">
               <a:rPr lang="en-US" smtClean="0"/>
-              <a:t>11/6/24</a:t>
+              <a:t>11/13/25</a:t>
             </a:fld>
             <a:endParaRPr lang="en-US"/>
           </a:p>
@@ -1150,7 +1150,7 @@
           <a:p>
             <a:fld id="{D5C1E9C8-5D04-481A-80D5-4B8A92BDC957}" type="datetimeFigureOut">
               <a:rPr lang="en-US" smtClean="0"/>
-              <a:t>11/6/24</a:t>
+              <a:t>11/13/25</a:t>
             </a:fld>
             <a:endParaRPr lang="en-US"/>
           </a:p>
@@ -1415,7 +1415,7 @@
           <a:p>
             <a:fld id="{D5C1E9C8-5D04-481A-80D5-4B8A92BDC957}" type="datetimeFigureOut">
               <a:rPr lang="en-US" smtClean="0"/>
-              <a:t>11/6/24</a:t>
+              <a:t>11/13/25</a:t>
             </a:fld>
             <a:endParaRPr lang="en-US"/>
           </a:p>
@@ -1827,7 +1827,7 @@
           <a:p>
             <a:fld id="{D5C1E9C8-5D04-481A-80D5-4B8A92BDC957}" type="datetimeFigureOut">
               <a:rPr lang="en-US" smtClean="0"/>
-              <a:t>11/6/24</a:t>
+              <a:t>11/13/25</a:t>
             </a:fld>
             <a:endParaRPr lang="en-US"/>
           </a:p>
@@ -1968,7 +1968,7 @@
           <a:p>
             <a:fld id="{D5C1E9C8-5D04-481A-80D5-4B8A92BDC957}" type="datetimeFigureOut">
               <a:rPr lang="en-US" smtClean="0"/>
-              <a:t>11/6/24</a:t>
+              <a:t>11/13/25</a:t>
             </a:fld>
             <a:endParaRPr lang="en-US"/>
           </a:p>
@@ -2081,7 +2081,7 @@
           <a:p>
             <a:fld id="{D5C1E9C8-5D04-481A-80D5-4B8A92BDC957}" type="datetimeFigureOut">
               <a:rPr lang="en-US" smtClean="0"/>
-              <a:t>11/6/24</a:t>
+              <a:t>11/13/25</a:t>
             </a:fld>
             <a:endParaRPr lang="en-US"/>
           </a:p>
@@ -2392,7 +2392,7 @@
           <a:p>
             <a:fld id="{D5C1E9C8-5D04-481A-80D5-4B8A92BDC957}" type="datetimeFigureOut">
               <a:rPr lang="en-US" smtClean="0"/>
-              <a:t>11/6/24</a:t>
+              <a:t>11/13/25</a:t>
             </a:fld>
             <a:endParaRPr lang="en-US"/>
           </a:p>
@@ -2680,7 +2680,7 @@
           <a:p>
             <a:fld id="{D5C1E9C8-5D04-481A-80D5-4B8A92BDC957}" type="datetimeFigureOut">
               <a:rPr lang="en-US" smtClean="0"/>
-              <a:t>11/6/24</a:t>
+              <a:t>11/13/25</a:t>
             </a:fld>
             <a:endParaRPr lang="en-US"/>
           </a:p>
@@ -2921,7 +2921,7 @@
           <a:p>
             <a:fld id="{D5C1E9C8-5D04-481A-80D5-4B8A92BDC957}" type="datetimeFigureOut">
               <a:rPr lang="en-US" smtClean="0"/>
-              <a:t>11/6/24</a:t>
+              <a:t>11/13/25</a:t>
             </a:fld>
             <a:endParaRPr lang="en-US"/>
           </a:p>
@@ -6993,8 +6993,8 @@
           </p:sp>
         </mc:Fallback>
       </mc:AlternateContent>
-      <mc:AlternateContent xmlns:mc="http://schemas.openxmlformats.org/markup-compatibility/2006" xmlns:a14="http://schemas.microsoft.com/office/drawing/2010/main">
-        <mc:Choice Requires="a14">
+      <mc:AlternateContent xmlns:mc="http://schemas.openxmlformats.org/markup-compatibility/2006">
+        <mc:Choice xmlns:a14="http://schemas.microsoft.com/office/drawing/2010/main" Requires="a14">
           <p:sp>
             <p:nvSpPr>
               <p:cNvPr id="62" name="Rectangle 61">
@@ -7154,7 +7154,7 @@
                       <a:schemeClr val="tx1"/>
                     </a:solidFill>
                   </a:rPr>
-                  <a:t>Section 10.2</a:t>
+                  <a:t>Section 10.4</a:t>
                 </a:r>
               </a:p>
               <a:p>
@@ -7646,7 +7646,7 @@
             </p:txBody>
           </p:sp>
         </mc:Choice>
-        <mc:Fallback xmlns="">
+        <mc:Fallback>
           <p:sp>
             <p:nvSpPr>
               <p:cNvPr id="62" name="Rectangle 61">
@@ -7672,7 +7672,7 @@
               <a:blipFill>
                 <a:blip r:embed="rId6"/>
                 <a:stretch>
-                  <a:fillRect t="-3356" b="-2685"/>
+                  <a:fillRect t="-2740" b="-5479"/>
                 </a:stretch>
               </a:blipFill>
               <a:ln>
@@ -7686,7 +7686,7 @@
               <a:lstStyle/>
               <a:p>
                 <a:r>
-                  <a:rPr lang="en-US">
+                  <a:rPr lang="en-NL">
                     <a:noFill/>
                   </a:rPr>
                   <a:t> </a:t>
@@ -8373,7 +8373,7 @@
                 <a:avLst/>
               </a:prstGeom>
               <a:blipFill>
-                <a:blip r:embed="rId6"/>
+                <a:blip r:embed="rId7"/>
                 <a:stretch>
                   <a:fillRect t="-3356" b="-2685"/>
                 </a:stretch>
@@ -8557,8 +8557,8 @@
           <a:chExt cx="0" cy="0"/>
         </a:xfrm>
       </p:grpSpPr>
-      <mc:AlternateContent xmlns:mc="http://schemas.openxmlformats.org/markup-compatibility/2006" xmlns:a14="http://schemas.microsoft.com/office/drawing/2010/main">
-        <mc:Choice Requires="a14">
+      <mc:AlternateContent xmlns:mc="http://schemas.openxmlformats.org/markup-compatibility/2006">
+        <mc:Choice xmlns:a14="http://schemas.microsoft.com/office/drawing/2010/main" Requires="a14">
           <p:sp>
             <p:nvSpPr>
               <p:cNvPr id="2" name="Rectangle 1">
@@ -8704,7 +8704,7 @@
                       <a:schemeClr val="tx1"/>
                     </a:solidFill>
                   </a:rPr>
-                  <a:t> test (pp503-504):</a:t>
+                  <a:t> test (pp576-577):</a:t>
                 </a:r>
               </a:p>
               <a:p>
@@ -9039,7 +9039,7 @@
             </p:txBody>
           </p:sp>
         </mc:Choice>
-        <mc:Fallback xmlns="">
+        <mc:Fallback>
           <p:sp>
             <p:nvSpPr>
               <p:cNvPr id="2" name="Rectangle 1">
@@ -9065,7 +9065,7 @@
               <a:blipFill>
                 <a:blip r:embed="rId2"/>
                 <a:stretch>
-                  <a:fillRect t="-5405" r="-472" b="-10811"/>
+                  <a:fillRect t="-5607" r="-656" b="-10280"/>
                 </a:stretch>
               </a:blipFill>
               <a:ln>
@@ -9082,7 +9082,7 @@
               <a:lstStyle/>
               <a:p>
                 <a:r>
-                  <a:rPr lang="en-US">
+                  <a:rPr lang="en-NL">
                     <a:noFill/>
                   </a:rPr>
                   <a:t> </a:t>
@@ -11961,8 +11961,8 @@
           </p:sp>
         </mc:Fallback>
       </mc:AlternateContent>
-      <mc:AlternateContent xmlns:mc="http://schemas.openxmlformats.org/markup-compatibility/2006" xmlns:a14="http://schemas.microsoft.com/office/drawing/2010/main">
-        <mc:Choice Requires="a14">
+      <mc:AlternateContent xmlns:mc="http://schemas.openxmlformats.org/markup-compatibility/2006">
+        <mc:Choice xmlns:a14="http://schemas.microsoft.com/office/drawing/2010/main" Requires="a14">
           <p:sp>
             <p:nvSpPr>
               <p:cNvPr id="39" name="Rectangle 38">
@@ -12635,14 +12635,14 @@
                       <a:schemeClr val="tx1"/>
                     </a:solidFill>
                   </a:rPr>
-                  <a:t>=pooled estimate, see p471-472</a:t>
+                  <a:t>=pooled estimate, see p532</a:t>
                 </a:r>
                 <a:endParaRPr lang="en-US" sz="1600" dirty="0"/>
               </a:p>
             </p:txBody>
           </p:sp>
         </mc:Choice>
-        <mc:Fallback xmlns="">
+        <mc:Fallback>
           <p:sp>
             <p:nvSpPr>
               <p:cNvPr id="39" name="Rectangle 38">
@@ -12668,7 +12668,7 @@
               <a:blipFill>
                 <a:blip r:embed="rId11"/>
                 <a:stretch>
-                  <a:fillRect b="-4839"/>
+                  <a:fillRect b="-3333"/>
                 </a:stretch>
               </a:blipFill>
               <a:ln>
@@ -12685,7 +12685,7 @@
               <a:lstStyle/>
               <a:p>
                 <a:r>
-                  <a:rPr lang="en-US">
+                  <a:rPr lang="en-NL">
                     <a:noFill/>
                   </a:rPr>
                   <a:t> </a:t>
@@ -13975,8 +13975,8 @@
           </p:sp>
         </mc:Fallback>
       </mc:AlternateContent>
-      <mc:AlternateContent xmlns:mc="http://schemas.openxmlformats.org/markup-compatibility/2006">
-        <mc:Choice xmlns:a14="http://schemas.microsoft.com/office/drawing/2010/main" Requires="a14">
+      <mc:AlternateContent xmlns:mc="http://schemas.openxmlformats.org/markup-compatibility/2006" xmlns:a14="http://schemas.microsoft.com/office/drawing/2010/main">
+        <mc:Choice Requires="a14">
           <p:sp>
             <p:nvSpPr>
               <p:cNvPr id="42" name="Rectangle 41">
@@ -14590,7 +14590,7 @@
             </p:txBody>
           </p:sp>
         </mc:Choice>
-        <mc:Fallback>
+        <mc:Fallback xmlns="">
           <p:sp>
             <p:nvSpPr>
               <p:cNvPr id="42" name="Rectangle 41">
@@ -14643,8 +14643,8 @@
           </p:sp>
         </mc:Fallback>
       </mc:AlternateContent>
-      <mc:AlternateContent xmlns:mc="http://schemas.openxmlformats.org/markup-compatibility/2006" xmlns:a14="http://schemas.microsoft.com/office/drawing/2010/main">
-        <mc:Choice Requires="a14">
+      <mc:AlternateContent xmlns:mc="http://schemas.openxmlformats.org/markup-compatibility/2006">
+        <mc:Choice xmlns:a14="http://schemas.microsoft.com/office/drawing/2010/main" Requires="a14">
           <p:sp>
             <p:nvSpPr>
               <p:cNvPr id="43" name="Rectangle 42">
@@ -15090,14 +15090,14 @@
                       <a:schemeClr val="tx1"/>
                     </a:solidFill>
                   </a:rPr>
-                  <a:t>See p.498</a:t>
+                  <a:t>See p.570-571</a:t>
                 </a:r>
                 <a:endParaRPr lang="en-US" sz="1600" dirty="0"/>
               </a:p>
             </p:txBody>
           </p:sp>
         </mc:Choice>
-        <mc:Fallback xmlns="">
+        <mc:Fallback>
           <p:sp>
             <p:nvSpPr>
               <p:cNvPr id="43" name="Rectangle 42">
@@ -15123,7 +15123,7 @@
               <a:blipFill>
                 <a:blip r:embed="rId14"/>
                 <a:stretch>
-                  <a:fillRect t="-8046" r="-351" b="-14368"/>
+                  <a:fillRect t="-8235" r="-730" b="-12941"/>
                 </a:stretch>
               </a:blipFill>
               <a:ln>
@@ -15140,7 +15140,7 @@
               <a:lstStyle/>
               <a:p>
                 <a:r>
-                  <a:rPr lang="en-US">
+                  <a:rPr lang="en-NL">
                     <a:noFill/>
                   </a:rPr>
                   <a:t> </a:t>
